--- a/modelos_nr/NR18_modelo.pptx
+++ b/modelos_nr/NR18_modelo.pptx
@@ -244,7 +244,7 @@
           <a:p>
             <a:fld id="{A3B7E9CD-3D34-47C6-98EC-7A5BB634A5D7}" type="datetimeFigureOut">
               <a:rPr lang="pt-BR" smtClean="0"/>
-              <a:t>17/06/2025</a:t>
+              <a:t>28/06/2025</a:t>
             </a:fld>
             <a:endParaRPr lang="pt-BR"/>
           </a:p>
@@ -414,7 +414,7 @@
           <a:p>
             <a:fld id="{A3B7E9CD-3D34-47C6-98EC-7A5BB634A5D7}" type="datetimeFigureOut">
               <a:rPr lang="pt-BR" smtClean="0"/>
-              <a:t>17/06/2025</a:t>
+              <a:t>28/06/2025</a:t>
             </a:fld>
             <a:endParaRPr lang="pt-BR"/>
           </a:p>
@@ -594,7 +594,7 @@
           <a:p>
             <a:fld id="{A3B7E9CD-3D34-47C6-98EC-7A5BB634A5D7}" type="datetimeFigureOut">
               <a:rPr lang="pt-BR" smtClean="0"/>
-              <a:t>17/06/2025</a:t>
+              <a:t>28/06/2025</a:t>
             </a:fld>
             <a:endParaRPr lang="pt-BR"/>
           </a:p>
@@ -764,7 +764,7 @@
           <a:p>
             <a:fld id="{A3B7E9CD-3D34-47C6-98EC-7A5BB634A5D7}" type="datetimeFigureOut">
               <a:rPr lang="pt-BR" smtClean="0"/>
-              <a:t>17/06/2025</a:t>
+              <a:t>28/06/2025</a:t>
             </a:fld>
             <a:endParaRPr lang="pt-BR"/>
           </a:p>
@@ -1008,7 +1008,7 @@
           <a:p>
             <a:fld id="{A3B7E9CD-3D34-47C6-98EC-7A5BB634A5D7}" type="datetimeFigureOut">
               <a:rPr lang="pt-BR" smtClean="0"/>
-              <a:t>17/06/2025</a:t>
+              <a:t>28/06/2025</a:t>
             </a:fld>
             <a:endParaRPr lang="pt-BR"/>
           </a:p>
@@ -1240,7 +1240,7 @@
           <a:p>
             <a:fld id="{A3B7E9CD-3D34-47C6-98EC-7A5BB634A5D7}" type="datetimeFigureOut">
               <a:rPr lang="pt-BR" smtClean="0"/>
-              <a:t>17/06/2025</a:t>
+              <a:t>28/06/2025</a:t>
             </a:fld>
             <a:endParaRPr lang="pt-BR"/>
           </a:p>
@@ -1607,7 +1607,7 @@
           <a:p>
             <a:fld id="{A3B7E9CD-3D34-47C6-98EC-7A5BB634A5D7}" type="datetimeFigureOut">
               <a:rPr lang="pt-BR" smtClean="0"/>
-              <a:t>17/06/2025</a:t>
+              <a:t>28/06/2025</a:t>
             </a:fld>
             <a:endParaRPr lang="pt-BR"/>
           </a:p>
@@ -1725,7 +1725,7 @@
           <a:p>
             <a:fld id="{A3B7E9CD-3D34-47C6-98EC-7A5BB634A5D7}" type="datetimeFigureOut">
               <a:rPr lang="pt-BR" smtClean="0"/>
-              <a:t>17/06/2025</a:t>
+              <a:t>28/06/2025</a:t>
             </a:fld>
             <a:endParaRPr lang="pt-BR"/>
           </a:p>
@@ -1820,7 +1820,7 @@
           <a:p>
             <a:fld id="{A3B7E9CD-3D34-47C6-98EC-7A5BB634A5D7}" type="datetimeFigureOut">
               <a:rPr lang="pt-BR" smtClean="0"/>
-              <a:t>17/06/2025</a:t>
+              <a:t>28/06/2025</a:t>
             </a:fld>
             <a:endParaRPr lang="pt-BR"/>
           </a:p>
@@ -2097,7 +2097,7 @@
           <a:p>
             <a:fld id="{A3B7E9CD-3D34-47C6-98EC-7A5BB634A5D7}" type="datetimeFigureOut">
               <a:rPr lang="pt-BR" smtClean="0"/>
-              <a:t>17/06/2025</a:t>
+              <a:t>28/06/2025</a:t>
             </a:fld>
             <a:endParaRPr lang="pt-BR"/>
           </a:p>
@@ -2354,7 +2354,7 @@
           <a:p>
             <a:fld id="{A3B7E9CD-3D34-47C6-98EC-7A5BB634A5D7}" type="datetimeFigureOut">
               <a:rPr lang="pt-BR" smtClean="0"/>
-              <a:t>17/06/2025</a:t>
+              <a:t>28/06/2025</a:t>
             </a:fld>
             <a:endParaRPr lang="pt-BR"/>
           </a:p>
@@ -2567,7 +2567,7 @@
           <a:p>
             <a:fld id="{A3B7E9CD-3D34-47C6-98EC-7A5BB634A5D7}" type="datetimeFigureOut">
               <a:rPr lang="pt-BR" smtClean="0"/>
-              <a:t>17/06/2025</a:t>
+              <a:t>28/06/2025</a:t>
             </a:fld>
             <a:endParaRPr lang="pt-BR"/>
           </a:p>
@@ -3778,8 +3778,8 @@
         </p:nvSpPr>
         <p:spPr>
           <a:xfrm>
-            <a:off x="3852809" y="4191178"/>
-            <a:ext cx="6498107" cy="1015663"/>
+            <a:off x="2466683" y="4191178"/>
+            <a:ext cx="7884234" cy="1015663"/>
           </a:xfrm>
           <a:prstGeom prst="rect">
             <a:avLst/>
@@ -3792,13 +3792,64 @@
           </a:bodyPr>
           <a:lstStyle/>
           <a:p>
-            <a:pPr algn="r"/>
+            <a:pPr algn="ctr"/>
             <a:r>
               <a:rPr lang="pt-BR" sz="1200" dirty="0">
                 <a:latin typeface="Times New Roman" panose="02020603050405020304" pitchFamily="18" charset="0"/>
                 <a:cs typeface="Times New Roman" panose="02020603050405020304" pitchFamily="18" charset="0"/>
               </a:rPr>
-              <a:t>{{NOME}}, portador do CPF {{CPF}}</a:t>
+              <a:t>{{NOME}} </a:t>
+            </a:r>
+            <a:r>
+              <a:rPr lang="pt-BR" altLang="zh-CN" sz="1200" b="1" dirty="0">
+                <a:solidFill>
+                  <a:srgbClr val="2D273D"/>
+                </a:solidFill>
+                <a:cs typeface="+mn-ea"/>
+                <a:sym typeface="+mn-lt"/>
+              </a:rPr>
+              <a:t>{{</a:t>
+            </a:r>
+            <a:r>
+              <a:rPr lang="pt-BR" altLang="zh-CN" sz="1200" b="1">
+                <a:solidFill>
+                  <a:srgbClr val="2D273D"/>
+                </a:solidFill>
+                <a:cs typeface="+mn-ea"/>
+                <a:sym typeface="+mn-lt"/>
+              </a:rPr>
+              <a:t>CARGO</a:t>
+            </a:r>
+            <a:r>
+              <a:rPr lang="pt-BR" altLang="zh-CN" sz="1200" b="1" u="sng">
+                <a:solidFill>
+                  <a:srgbClr val="2D273D"/>
+                </a:solidFill>
+                <a:cs typeface="+mn-ea"/>
+                <a:sym typeface="+mn-lt"/>
+              </a:rPr>
+              <a:t>}}</a:t>
+            </a:r>
+            <a:r>
+              <a:rPr lang="pt-BR" sz="1200" u="sng">
+                <a:latin typeface="Times New Roman" panose="02020603050405020304" pitchFamily="18" charset="0"/>
+                <a:cs typeface="Times New Roman" panose="02020603050405020304" pitchFamily="18" charset="0"/>
+              </a:rPr>
+              <a:t>,</a:t>
+            </a:r>
+            <a:r>
+              <a:rPr lang="pt-BR" sz="1200">
+                <a:latin typeface="Times New Roman" panose="02020603050405020304" pitchFamily="18" charset="0"/>
+                <a:cs typeface="Times New Roman" panose="02020603050405020304" pitchFamily="18" charset="0"/>
+              </a:rPr>
+              <a:t> </a:t>
+            </a:r>
+            <a:r>
+              <a:rPr lang="pt-BR" sz="1200" dirty="0">
+                <a:latin typeface="Times New Roman" panose="02020603050405020304" pitchFamily="18" charset="0"/>
+                <a:cs typeface="Times New Roman" panose="02020603050405020304" pitchFamily="18" charset="0"/>
+              </a:rPr>
+              <a:t>portador do CPF {{CPF}}</a:t>
             </a:r>
             <a:r>
               <a:rPr lang="pt-BR" altLang="ko-KR" sz="1200" dirty="0">
@@ -4870,6 +4921,84 @@
           </a:prstGeom>
         </p:spPr>
       </p:pic>
+      <p:sp>
+        <p:nvSpPr>
+          <p:cNvPr id="10" name="矩形 30">
+            <a:extLst>
+              <a:ext uri="{FF2B5EF4-FFF2-40B4-BE49-F238E27FC236}">
+                <a16:creationId xmlns:a16="http://schemas.microsoft.com/office/drawing/2014/main" id="{E2D50E54-CE0A-F3F1-71DB-5A5B40ADCFDE}"/>
+              </a:ext>
+            </a:extLst>
+          </p:cNvPr>
+          <p:cNvSpPr/>
+          <p:nvPr/>
+        </p:nvSpPr>
+        <p:spPr>
+          <a:xfrm>
+            <a:off x="6655929" y="3275521"/>
+            <a:ext cx="2187845" cy="461665"/>
+          </a:xfrm>
+          <a:prstGeom prst="rect">
+            <a:avLst/>
+          </a:prstGeom>
+          <a:noFill/>
+          <a:ln>
+            <a:noFill/>
+          </a:ln>
+          <a:effectLst/>
+          <a:extLst>
+            <a:ext uri="{909E8E84-426E-40DD-AFC4-6F175D3DCCD1}">
+              <a14:hiddenFill xmlns:a14="http://schemas.microsoft.com/office/drawing/2010/main">
+                <a:solidFill>
+                  <a:schemeClr val="accent1"/>
+                </a:solidFill>
+              </a14:hiddenFill>
+            </a:ext>
+            <a:ext uri="{91240B29-F687-4F45-9708-019B960494DF}">
+              <a14:hiddenLine xmlns:a14="http://schemas.microsoft.com/office/drawing/2010/main" w="9525">
+                <a:solidFill>
+                  <a:schemeClr val="tx1"/>
+                </a:solidFill>
+                <a:miter lim="800000"/>
+                <a:headEnd/>
+                <a:tailEnd/>
+              </a14:hiddenLine>
+            </a:ext>
+            <a:ext uri="{AF507438-7753-43E0-B8FC-AC1667EBCBE1}">
+              <a14:hiddenEffects xmlns:a14="http://schemas.microsoft.com/office/drawing/2010/main">
+                <a:effectLst>
+                  <a:outerShdw dist="35921" dir="2700000" algn="ctr" rotWithShape="0">
+                    <a:schemeClr val="bg2"/>
+                  </a:outerShdw>
+                </a:effectLst>
+              </a14:hiddenEffects>
+            </a:ext>
+          </a:extLst>
+        </p:spPr>
+        <p:txBody>
+          <a:bodyPr wrap="square">
+            <a:spAutoFit/>
+          </a:bodyPr>
+          <a:lstStyle/>
+          <a:p>
+            <a:pPr algn="ctr"/>
+            <a:endParaRPr lang="pt-BR" sz="1200" dirty="0"/>
+          </a:p>
+          <a:p>
+            <a:pPr algn="ctr"/>
+            <a:r>
+              <a:rPr lang="pt-BR" altLang="zh-CN" sz="1200" b="1" dirty="0">
+                <a:solidFill>
+                  <a:srgbClr val="2D273D"/>
+                </a:solidFill>
+                <a:cs typeface="+mn-ea"/>
+                <a:sym typeface="+mn-lt"/>
+              </a:rPr>
+              <a:t>{{CARGO}}</a:t>
+            </a:r>
+          </a:p>
+        </p:txBody>
+      </p:sp>
     </p:spTree>
     <p:extLst>
       <p:ext uri="{BB962C8B-B14F-4D97-AF65-F5344CB8AC3E}">

--- a/modelos_nr/NR18_modelo.pptx
+++ b/modelos_nr/NR18_modelo.pptx
@@ -244,7 +244,7 @@
           <a:p>
             <a:fld id="{A3B7E9CD-3D34-47C6-98EC-7A5BB634A5D7}" type="datetimeFigureOut">
               <a:rPr lang="pt-BR" smtClean="0"/>
-              <a:t>28/06/2025</a:t>
+              <a:t>29/06/2025</a:t>
             </a:fld>
             <a:endParaRPr lang="pt-BR"/>
           </a:p>
@@ -414,7 +414,7 @@
           <a:p>
             <a:fld id="{A3B7E9CD-3D34-47C6-98EC-7A5BB634A5D7}" type="datetimeFigureOut">
               <a:rPr lang="pt-BR" smtClean="0"/>
-              <a:t>28/06/2025</a:t>
+              <a:t>29/06/2025</a:t>
             </a:fld>
             <a:endParaRPr lang="pt-BR"/>
           </a:p>
@@ -594,7 +594,7 @@
           <a:p>
             <a:fld id="{A3B7E9CD-3D34-47C6-98EC-7A5BB634A5D7}" type="datetimeFigureOut">
               <a:rPr lang="pt-BR" smtClean="0"/>
-              <a:t>28/06/2025</a:t>
+              <a:t>29/06/2025</a:t>
             </a:fld>
             <a:endParaRPr lang="pt-BR"/>
           </a:p>
@@ -764,7 +764,7 @@
           <a:p>
             <a:fld id="{A3B7E9CD-3D34-47C6-98EC-7A5BB634A5D7}" type="datetimeFigureOut">
               <a:rPr lang="pt-BR" smtClean="0"/>
-              <a:t>28/06/2025</a:t>
+              <a:t>29/06/2025</a:t>
             </a:fld>
             <a:endParaRPr lang="pt-BR"/>
           </a:p>
@@ -1008,7 +1008,7 @@
           <a:p>
             <a:fld id="{A3B7E9CD-3D34-47C6-98EC-7A5BB634A5D7}" type="datetimeFigureOut">
               <a:rPr lang="pt-BR" smtClean="0"/>
-              <a:t>28/06/2025</a:t>
+              <a:t>29/06/2025</a:t>
             </a:fld>
             <a:endParaRPr lang="pt-BR"/>
           </a:p>
@@ -1240,7 +1240,7 @@
           <a:p>
             <a:fld id="{A3B7E9CD-3D34-47C6-98EC-7A5BB634A5D7}" type="datetimeFigureOut">
               <a:rPr lang="pt-BR" smtClean="0"/>
-              <a:t>28/06/2025</a:t>
+              <a:t>29/06/2025</a:t>
             </a:fld>
             <a:endParaRPr lang="pt-BR"/>
           </a:p>
@@ -1607,7 +1607,7 @@
           <a:p>
             <a:fld id="{A3B7E9CD-3D34-47C6-98EC-7A5BB634A5D7}" type="datetimeFigureOut">
               <a:rPr lang="pt-BR" smtClean="0"/>
-              <a:t>28/06/2025</a:t>
+              <a:t>29/06/2025</a:t>
             </a:fld>
             <a:endParaRPr lang="pt-BR"/>
           </a:p>
@@ -1725,7 +1725,7 @@
           <a:p>
             <a:fld id="{A3B7E9CD-3D34-47C6-98EC-7A5BB634A5D7}" type="datetimeFigureOut">
               <a:rPr lang="pt-BR" smtClean="0"/>
-              <a:t>28/06/2025</a:t>
+              <a:t>29/06/2025</a:t>
             </a:fld>
             <a:endParaRPr lang="pt-BR"/>
           </a:p>
@@ -1820,7 +1820,7 @@
           <a:p>
             <a:fld id="{A3B7E9CD-3D34-47C6-98EC-7A5BB634A5D7}" type="datetimeFigureOut">
               <a:rPr lang="pt-BR" smtClean="0"/>
-              <a:t>28/06/2025</a:t>
+              <a:t>29/06/2025</a:t>
             </a:fld>
             <a:endParaRPr lang="pt-BR"/>
           </a:p>
@@ -2097,7 +2097,7 @@
           <a:p>
             <a:fld id="{A3B7E9CD-3D34-47C6-98EC-7A5BB634A5D7}" type="datetimeFigureOut">
               <a:rPr lang="pt-BR" smtClean="0"/>
-              <a:t>28/06/2025</a:t>
+              <a:t>29/06/2025</a:t>
             </a:fld>
             <a:endParaRPr lang="pt-BR"/>
           </a:p>
@@ -2354,7 +2354,7 @@
           <a:p>
             <a:fld id="{A3B7E9CD-3D34-47C6-98EC-7A5BB634A5D7}" type="datetimeFigureOut">
               <a:rPr lang="pt-BR" smtClean="0"/>
-              <a:t>28/06/2025</a:t>
+              <a:t>29/06/2025</a:t>
             </a:fld>
             <a:endParaRPr lang="pt-BR"/>
           </a:p>
@@ -2567,7 +2567,7 @@
           <a:p>
             <a:fld id="{A3B7E9CD-3D34-47C6-98EC-7A5BB634A5D7}" type="datetimeFigureOut">
               <a:rPr lang="pt-BR" smtClean="0"/>
-              <a:t>28/06/2025</a:t>
+              <a:t>29/06/2025</a:t>
             </a:fld>
             <a:endParaRPr lang="pt-BR"/>
           </a:p>
@@ -3450,7 +3450,7 @@
         <p:spPr>
           <a:xfrm>
             <a:off x="2466682" y="6595339"/>
-            <a:ext cx="2187845" cy="461665"/>
+            <a:ext cx="2187845" cy="523220"/>
           </a:xfrm>
           <a:prstGeom prst="rect">
             <a:avLst/>
@@ -3497,21 +3497,25 @@
           <a:p>
             <a:pPr algn="ctr"/>
             <a:r>
-              <a:rPr lang="pt-BR" sz="1200" dirty="0"/>
+              <a:rPr lang="pt-BR" sz="1400" b="1" dirty="0">
+                <a:latin typeface="Times New Roman" panose="02020603050405020304" pitchFamily="18" charset="0"/>
+                <a:cs typeface="Times New Roman" panose="02020603050405020304" pitchFamily="18" charset="0"/>
+              </a:rPr>
               <a:t>{{NOME}}</a:t>
             </a:r>
           </a:p>
           <a:p>
             <a:pPr algn="ctr"/>
             <a:r>
-              <a:rPr lang="pt-BR" altLang="zh-CN" sz="1200" b="1" dirty="0">
+              <a:rPr lang="pt-BR" altLang="zh-CN" sz="1400" b="1" dirty="0">
                 <a:solidFill>
                   <a:srgbClr val="2D273D"/>
                 </a:solidFill>
-                <a:cs typeface="+mn-ea"/>
+                <a:latin typeface="Times New Roman" panose="02020603050405020304" pitchFamily="18" charset="0"/>
+                <a:cs typeface="Times New Roman" panose="02020603050405020304" pitchFamily="18" charset="0"/>
                 <a:sym typeface="+mn-lt"/>
               </a:rPr>
-              <a:t> {{CARGO}}</a:t>
+              <a:t> </a:t>
             </a:r>
           </a:p>
         </p:txBody>
@@ -3778,8 +3782,8 @@
         </p:nvSpPr>
         <p:spPr>
           <a:xfrm>
-            <a:off x="2466683" y="4191178"/>
-            <a:ext cx="7884234" cy="1015663"/>
+            <a:off x="2292732" y="3986875"/>
+            <a:ext cx="7884234" cy="1169551"/>
           </a:xfrm>
           <a:prstGeom prst="rect">
             <a:avLst/>
@@ -3794,170 +3798,106 @@
           <a:p>
             <a:pPr algn="ctr"/>
             <a:r>
-              <a:rPr lang="pt-BR" sz="1200" dirty="0">
+              <a:rPr lang="pt-BR" sz="1400" b="1" dirty="0">
                 <a:latin typeface="Times New Roman" panose="02020603050405020304" pitchFamily="18" charset="0"/>
                 <a:cs typeface="Times New Roman" panose="02020603050405020304" pitchFamily="18" charset="0"/>
               </a:rPr>
               <a:t>{{NOME}} </a:t>
             </a:r>
             <a:r>
-              <a:rPr lang="pt-BR" altLang="zh-CN" sz="1200" b="1" dirty="0">
+              <a:rPr lang="pt-BR" altLang="zh-CN" sz="1400" b="1" dirty="0">
                 <a:solidFill>
                   <a:srgbClr val="2D273D"/>
                 </a:solidFill>
-                <a:cs typeface="+mn-ea"/>
+                <a:latin typeface="Times New Roman" panose="02020603050405020304" pitchFamily="18" charset="0"/>
+                <a:cs typeface="Times New Roman" panose="02020603050405020304" pitchFamily="18" charset="0"/>
                 <a:sym typeface="+mn-lt"/>
               </a:rPr>
-              <a:t>{{</a:t>
-            </a:r>
-            <a:r>
-              <a:rPr lang="pt-BR" altLang="zh-CN" sz="1200" b="1">
+              <a:t>{{CARGO</a:t>
+            </a:r>
+            <a:r>
+              <a:rPr lang="pt-BR" altLang="zh-CN" sz="1400" b="1" u="sng" dirty="0">
                 <a:solidFill>
                   <a:srgbClr val="2D273D"/>
                 </a:solidFill>
-                <a:cs typeface="+mn-ea"/>
-                <a:sym typeface="+mn-lt"/>
-              </a:rPr>
-              <a:t>CARGO</a:t>
-            </a:r>
-            <a:r>
-              <a:rPr lang="pt-BR" altLang="zh-CN" sz="1200" b="1" u="sng">
-                <a:solidFill>
-                  <a:srgbClr val="2D273D"/>
-                </a:solidFill>
-                <a:cs typeface="+mn-ea"/>
+                <a:latin typeface="Times New Roman" panose="02020603050405020304" pitchFamily="18" charset="0"/>
+                <a:cs typeface="Times New Roman" panose="02020603050405020304" pitchFamily="18" charset="0"/>
                 <a:sym typeface="+mn-lt"/>
               </a:rPr>
               <a:t>}}</a:t>
             </a:r>
             <a:r>
-              <a:rPr lang="pt-BR" sz="1200" u="sng">
+              <a:rPr lang="pt-BR" sz="1400" b="1" u="sng" dirty="0">
                 <a:latin typeface="Times New Roman" panose="02020603050405020304" pitchFamily="18" charset="0"/>
                 <a:cs typeface="Times New Roman" panose="02020603050405020304" pitchFamily="18" charset="0"/>
               </a:rPr>
               <a:t>,</a:t>
             </a:r>
             <a:r>
-              <a:rPr lang="pt-BR" sz="1200">
+              <a:rPr lang="pt-BR" sz="1400" b="1" dirty="0">
+                <a:latin typeface="Times New Roman" panose="02020603050405020304" pitchFamily="18" charset="0"/>
+                <a:cs typeface="Times New Roman" panose="02020603050405020304" pitchFamily="18" charset="0"/>
+              </a:rPr>
+              <a:t> portador do CPF {{CPF}}</a:t>
+            </a:r>
+            <a:r>
+              <a:rPr lang="pt-BR" altLang="ko-KR" sz="1400" b="1" dirty="0">
                 <a:latin typeface="Times New Roman" panose="02020603050405020304" pitchFamily="18" charset="0"/>
                 <a:cs typeface="Times New Roman" panose="02020603050405020304" pitchFamily="18" charset="0"/>
               </a:rPr>
               <a:t> </a:t>
             </a:r>
             <a:r>
-              <a:rPr lang="pt-BR" sz="1200" dirty="0">
+              <a:rPr lang="pt-BR" sz="1400" b="1" dirty="0">
                 <a:latin typeface="Times New Roman" panose="02020603050405020304" pitchFamily="18" charset="0"/>
                 <a:cs typeface="Times New Roman" panose="02020603050405020304" pitchFamily="18" charset="0"/>
               </a:rPr>
-              <a:t>portador do CPF {{CPF}}</a:t>
-            </a:r>
-            <a:r>
-              <a:rPr lang="pt-BR" altLang="ko-KR" sz="1200" dirty="0">
-                <a:latin typeface="Times New Roman" panose="02020603050405020304" pitchFamily="18" charset="0"/>
-                <a:cs typeface="Times New Roman" panose="02020603050405020304" pitchFamily="18" charset="0"/>
-              </a:rPr>
-              <a:t> </a:t>
-            </a:r>
-            <a:r>
-              <a:rPr lang="pt-BR" sz="1200" dirty="0">
-                <a:latin typeface="Times New Roman" panose="02020603050405020304" pitchFamily="18" charset="0"/>
-                <a:cs typeface="Times New Roman" panose="02020603050405020304" pitchFamily="18" charset="0"/>
-              </a:rPr>
-              <a:t>, participou do treinamento de </a:t>
-            </a:r>
-            <a:r>
-              <a:rPr lang="pt-BR" sz="1200" b="1" dirty="0">
-                <a:latin typeface="Times New Roman" panose="02020603050405020304" pitchFamily="18" charset="0"/>
-                <a:cs typeface="Times New Roman" panose="02020603050405020304" pitchFamily="18" charset="0"/>
-              </a:rPr>
-              <a:t>TREINAMENTO </a:t>
-            </a:r>
-            <a:r>
-              <a:rPr lang="pt-BR" sz="1200" dirty="0">
-                <a:latin typeface="Times New Roman" panose="02020603050405020304" pitchFamily="18" charset="0"/>
-                <a:cs typeface="Times New Roman" panose="02020603050405020304" pitchFamily="18" charset="0"/>
-              </a:rPr>
-              <a:t>{{TIPO_TREINAMENTO}}   referente à </a:t>
-            </a:r>
-            <a:r>
-              <a:rPr lang="pt-BR" sz="1200" b="1" dirty="0">
-                <a:latin typeface="Times New Roman" panose="02020603050405020304" pitchFamily="18" charset="0"/>
-                <a:cs typeface="Times New Roman" panose="02020603050405020304" pitchFamily="18" charset="0"/>
-              </a:rPr>
-              <a:t>NR 18.14 – Condições e Meio Ambiente de Trabalho na Indústria da Construção</a:t>
-            </a:r>
-            <a:r>
-              <a:rPr lang="pt-BR" sz="1200" dirty="0">
-                <a:latin typeface="Times New Roman" panose="02020603050405020304" pitchFamily="18" charset="0"/>
-                <a:cs typeface="Times New Roman" panose="02020603050405020304" pitchFamily="18" charset="0"/>
-              </a:rPr>
-              <a:t>, </a:t>
-            </a:r>
-            <a:r>
-              <a:rPr lang="pt-BR" altLang="ko-KR" sz="1200" dirty="0">
+              <a:t>, participou do treinamento de TREINAMENTO {{TIPO_TREINAMENTO}}   referente à NR 18.14 – Condições e Meio Ambiente de Trabalho na Indústria da Construção, </a:t>
+            </a:r>
+            <a:r>
+              <a:rPr lang="pt-BR" altLang="ko-KR" sz="1400" b="1" dirty="0">
                 <a:latin typeface="Times New Roman" panose="02020603050405020304" pitchFamily="18" charset="0"/>
                 <a:cs typeface="Times New Roman" panose="02020603050405020304" pitchFamily="18" charset="0"/>
               </a:rPr>
               <a:t>promovido nas dependências da empresa ALTA TELAS REDES DE PROTEÇÃO – </a:t>
             </a:r>
             <a:r>
-              <a:rPr lang="pt-BR" sz="1200" dirty="0">
+              <a:rPr lang="pt-BR" sz="1400" b="1" dirty="0">
                 <a:latin typeface="Times New Roman" panose="02020603050405020304" pitchFamily="18" charset="0"/>
                 <a:cs typeface="Times New Roman" panose="02020603050405020304" pitchFamily="18" charset="0"/>
               </a:rPr>
               <a:t>R. Gonçalves e Clarinda </a:t>
             </a:r>
             <a:r>
-              <a:rPr lang="pt-BR" sz="1200" dirty="0" err="1">
+              <a:rPr lang="pt-BR" sz="1400" b="1" dirty="0" err="1">
                 <a:latin typeface="Times New Roman" panose="02020603050405020304" pitchFamily="18" charset="0"/>
                 <a:cs typeface="Times New Roman" panose="02020603050405020304" pitchFamily="18" charset="0"/>
               </a:rPr>
               <a:t>Limiro</a:t>
             </a:r>
             <a:r>
-              <a:rPr lang="pt-BR" sz="1200" dirty="0">
+              <a:rPr lang="pt-BR" sz="1400" b="1" dirty="0">
                 <a:latin typeface="Times New Roman" panose="02020603050405020304" pitchFamily="18" charset="0"/>
                 <a:cs typeface="Times New Roman" panose="02020603050405020304" pitchFamily="18" charset="0"/>
               </a:rPr>
               <a:t>, 115 , Ribeirão Preto - SP, 14063-172 no dia </a:t>
             </a:r>
             <a:r>
-              <a:rPr lang="pt-BR" altLang="ko-KR" sz="1200" dirty="0">
+              <a:rPr lang="pt-BR" altLang="ko-KR" sz="1400" b="1" dirty="0">
                 <a:latin typeface="Times New Roman" panose="02020603050405020304" pitchFamily="18" charset="0"/>
                 <a:cs typeface="Times New Roman" panose="02020603050405020304" pitchFamily="18" charset="0"/>
               </a:rPr>
               <a:t>{{DATA}}</a:t>
             </a:r>
             <a:r>
-              <a:rPr lang="pt-BR" sz="1200" dirty="0">
+              <a:rPr lang="pt-BR" sz="1400" b="1" dirty="0">
                 <a:latin typeface="Times New Roman" panose="02020603050405020304" pitchFamily="18" charset="0"/>
                 <a:cs typeface="Times New Roman" panose="02020603050405020304" pitchFamily="18" charset="0"/>
               </a:rPr>
-              <a:t>, conforme exigências da Norma Regulamentadora - </a:t>
-            </a:r>
-            <a:r>
-              <a:rPr lang="pt-BR" sz="1200" b="1" dirty="0">
-                <a:latin typeface="Times New Roman" panose="02020603050405020304" pitchFamily="18" charset="0"/>
-                <a:cs typeface="Times New Roman" panose="02020603050405020304" pitchFamily="18" charset="0"/>
-              </a:rPr>
-              <a:t>NR 18</a:t>
-            </a:r>
-            <a:r>
-              <a:rPr lang="pt-BR" sz="1200" dirty="0">
-                <a:latin typeface="Times New Roman" panose="02020603050405020304" pitchFamily="18" charset="0"/>
-                <a:cs typeface="Times New Roman" panose="02020603050405020304" pitchFamily="18" charset="0"/>
-              </a:rPr>
-              <a:t>, com carga horária de </a:t>
-            </a:r>
-            <a:r>
-              <a:rPr lang="pt-BR" sz="1200" b="1" dirty="0">
-                <a:latin typeface="Times New Roman" panose="02020603050405020304" pitchFamily="18" charset="0"/>
-                <a:cs typeface="Times New Roman" panose="02020603050405020304" pitchFamily="18" charset="0"/>
-              </a:rPr>
-              <a:t>06 horas</a:t>
-            </a:r>
-            <a:r>
-              <a:rPr lang="pt-BR" altLang="ko-KR" sz="1200" dirty="0">
+              <a:t>, conforme exigências da Norma Regulamentadora - NR 18, com carga horária de 06 horas</a:t>
+            </a:r>
+            <a:r>
+              <a:rPr lang="pt-BR" altLang="ko-KR" sz="1400" b="1" dirty="0">
                 <a:solidFill>
                   <a:schemeClr val="tx1">
                     <a:lumMod val="50000"/>
@@ -4728,7 +4668,7 @@
         </p:nvSpPr>
         <p:spPr>
           <a:xfrm>
-            <a:off x="5358979" y="2833558"/>
+            <a:off x="5340857" y="1547522"/>
             <a:ext cx="4817987" cy="578172"/>
           </a:xfrm>
           <a:prstGeom prst="rect">
@@ -4935,8 +4875,8 @@
         </p:nvSpPr>
         <p:spPr>
           <a:xfrm>
-            <a:off x="6655929" y="3275521"/>
-            <a:ext cx="2187845" cy="461665"/>
+            <a:off x="6576533" y="2127868"/>
+            <a:ext cx="2187845" cy="523220"/>
           </a:xfrm>
           <a:prstGeom prst="rect">
             <a:avLst/>
@@ -4982,16 +4922,20 @@
           <a:lstStyle/>
           <a:p>
             <a:pPr algn="ctr"/>
-            <a:endParaRPr lang="pt-BR" sz="1200" dirty="0"/>
+            <a:endParaRPr lang="pt-BR" sz="1400" dirty="0">
+              <a:latin typeface="Times New Roman" panose="02020603050405020304" pitchFamily="18" charset="0"/>
+              <a:cs typeface="Times New Roman" panose="02020603050405020304" pitchFamily="18" charset="0"/>
+            </a:endParaRPr>
           </a:p>
           <a:p>
             <a:pPr algn="ctr"/>
             <a:r>
-              <a:rPr lang="pt-BR" altLang="zh-CN" sz="1200" b="1" dirty="0">
+              <a:rPr lang="pt-BR" altLang="zh-CN" sz="1400" b="1" dirty="0">
                 <a:solidFill>
                   <a:srgbClr val="2D273D"/>
                 </a:solidFill>
-                <a:cs typeface="+mn-ea"/>
+                <a:latin typeface="Times New Roman" panose="02020603050405020304" pitchFamily="18" charset="0"/>
+                <a:cs typeface="Times New Roman" panose="02020603050405020304" pitchFamily="18" charset="0"/>
                 <a:sym typeface="+mn-lt"/>
               </a:rPr>
               <a:t>{{CARGO}}</a:t>

--- a/modelos_nr/NR18_modelo.pptx
+++ b/modelos_nr/NR18_modelo.pptx
@@ -244,7 +244,7 @@
           <a:p>
             <a:fld id="{A3B7E9CD-3D34-47C6-98EC-7A5BB634A5D7}" type="datetimeFigureOut">
               <a:rPr lang="pt-BR" smtClean="0"/>
-              <a:t>29/06/2025</a:t>
+              <a:t>05/07/2025</a:t>
             </a:fld>
             <a:endParaRPr lang="pt-BR"/>
           </a:p>
@@ -414,7 +414,7 @@
           <a:p>
             <a:fld id="{A3B7E9CD-3D34-47C6-98EC-7A5BB634A5D7}" type="datetimeFigureOut">
               <a:rPr lang="pt-BR" smtClean="0"/>
-              <a:t>29/06/2025</a:t>
+              <a:t>05/07/2025</a:t>
             </a:fld>
             <a:endParaRPr lang="pt-BR"/>
           </a:p>
@@ -594,7 +594,7 @@
           <a:p>
             <a:fld id="{A3B7E9CD-3D34-47C6-98EC-7A5BB634A5D7}" type="datetimeFigureOut">
               <a:rPr lang="pt-BR" smtClean="0"/>
-              <a:t>29/06/2025</a:t>
+              <a:t>05/07/2025</a:t>
             </a:fld>
             <a:endParaRPr lang="pt-BR"/>
           </a:p>
@@ -764,7 +764,7 @@
           <a:p>
             <a:fld id="{A3B7E9CD-3D34-47C6-98EC-7A5BB634A5D7}" type="datetimeFigureOut">
               <a:rPr lang="pt-BR" smtClean="0"/>
-              <a:t>29/06/2025</a:t>
+              <a:t>05/07/2025</a:t>
             </a:fld>
             <a:endParaRPr lang="pt-BR"/>
           </a:p>
@@ -1008,7 +1008,7 @@
           <a:p>
             <a:fld id="{A3B7E9CD-3D34-47C6-98EC-7A5BB634A5D7}" type="datetimeFigureOut">
               <a:rPr lang="pt-BR" smtClean="0"/>
-              <a:t>29/06/2025</a:t>
+              <a:t>05/07/2025</a:t>
             </a:fld>
             <a:endParaRPr lang="pt-BR"/>
           </a:p>
@@ -1240,7 +1240,7 @@
           <a:p>
             <a:fld id="{A3B7E9CD-3D34-47C6-98EC-7A5BB634A5D7}" type="datetimeFigureOut">
               <a:rPr lang="pt-BR" smtClean="0"/>
-              <a:t>29/06/2025</a:t>
+              <a:t>05/07/2025</a:t>
             </a:fld>
             <a:endParaRPr lang="pt-BR"/>
           </a:p>
@@ -1607,7 +1607,7 @@
           <a:p>
             <a:fld id="{A3B7E9CD-3D34-47C6-98EC-7A5BB634A5D7}" type="datetimeFigureOut">
               <a:rPr lang="pt-BR" smtClean="0"/>
-              <a:t>29/06/2025</a:t>
+              <a:t>05/07/2025</a:t>
             </a:fld>
             <a:endParaRPr lang="pt-BR"/>
           </a:p>
@@ -1725,7 +1725,7 @@
           <a:p>
             <a:fld id="{A3B7E9CD-3D34-47C6-98EC-7A5BB634A5D7}" type="datetimeFigureOut">
               <a:rPr lang="pt-BR" smtClean="0"/>
-              <a:t>29/06/2025</a:t>
+              <a:t>05/07/2025</a:t>
             </a:fld>
             <a:endParaRPr lang="pt-BR"/>
           </a:p>
@@ -1820,7 +1820,7 @@
           <a:p>
             <a:fld id="{A3B7E9CD-3D34-47C6-98EC-7A5BB634A5D7}" type="datetimeFigureOut">
               <a:rPr lang="pt-BR" smtClean="0"/>
-              <a:t>29/06/2025</a:t>
+              <a:t>05/07/2025</a:t>
             </a:fld>
             <a:endParaRPr lang="pt-BR"/>
           </a:p>
@@ -2097,7 +2097,7 @@
           <a:p>
             <a:fld id="{A3B7E9CD-3D34-47C6-98EC-7A5BB634A5D7}" type="datetimeFigureOut">
               <a:rPr lang="pt-BR" smtClean="0"/>
-              <a:t>29/06/2025</a:t>
+              <a:t>05/07/2025</a:t>
             </a:fld>
             <a:endParaRPr lang="pt-BR"/>
           </a:p>
@@ -2354,7 +2354,7 @@
           <a:p>
             <a:fld id="{A3B7E9CD-3D34-47C6-98EC-7A5BB634A5D7}" type="datetimeFigureOut">
               <a:rPr lang="pt-BR" smtClean="0"/>
-              <a:t>29/06/2025</a:t>
+              <a:t>05/07/2025</a:t>
             </a:fld>
             <a:endParaRPr lang="pt-BR"/>
           </a:p>
@@ -2567,7 +2567,7 @@
           <a:p>
             <a:fld id="{A3B7E9CD-3D34-47C6-98EC-7A5BB634A5D7}" type="datetimeFigureOut">
               <a:rPr lang="pt-BR" smtClean="0"/>
-              <a:t>29/06/2025</a:t>
+              <a:t>05/07/2025</a:t>
             </a:fld>
             <a:endParaRPr lang="pt-BR"/>
           </a:p>
@@ -3782,8 +3782,8 @@
         </p:nvSpPr>
         <p:spPr>
           <a:xfrm>
-            <a:off x="2292732" y="3986875"/>
-            <a:ext cx="7884234" cy="1169551"/>
+            <a:off x="2292732" y="3786821"/>
+            <a:ext cx="7884234" cy="1569660"/>
           </a:xfrm>
           <a:prstGeom prst="rect">
             <a:avLst/>
@@ -3796,16 +3796,15 @@
           </a:bodyPr>
           <a:lstStyle/>
           <a:p>
-            <a:pPr algn="ctr"/>
-            <a:r>
-              <a:rPr lang="pt-BR" sz="1400" b="1" dirty="0">
+            <a:r>
+              <a:rPr lang="pt-BR" sz="1600" b="1" dirty="0">
                 <a:latin typeface="Times New Roman" panose="02020603050405020304" pitchFamily="18" charset="0"/>
                 <a:cs typeface="Times New Roman" panose="02020603050405020304" pitchFamily="18" charset="0"/>
               </a:rPr>
               <a:t>{{NOME}} </a:t>
             </a:r>
             <a:r>
-              <a:rPr lang="pt-BR" altLang="zh-CN" sz="1400" b="1" dirty="0">
+              <a:rPr lang="pt-BR" altLang="zh-CN" sz="1600" b="1" dirty="0">
                 <a:solidFill>
                   <a:srgbClr val="2D273D"/>
                 </a:solidFill>
@@ -3813,91 +3812,73 @@
                 <a:cs typeface="Times New Roman" panose="02020603050405020304" pitchFamily="18" charset="0"/>
                 <a:sym typeface="+mn-lt"/>
               </a:rPr>
-              <a:t>{{CARGO</a:t>
-            </a:r>
-            <a:r>
-              <a:rPr lang="pt-BR" altLang="zh-CN" sz="1400" b="1" u="sng" dirty="0">
-                <a:solidFill>
-                  <a:srgbClr val="2D273D"/>
-                </a:solidFill>
-                <a:latin typeface="Times New Roman" panose="02020603050405020304" pitchFamily="18" charset="0"/>
-                <a:cs typeface="Times New Roman" panose="02020603050405020304" pitchFamily="18" charset="0"/>
-                <a:sym typeface="+mn-lt"/>
-              </a:rPr>
-              <a:t>}}</a:t>
-            </a:r>
-            <a:r>
-              <a:rPr lang="pt-BR" sz="1400" b="1" u="sng" dirty="0">
+              <a:t>{{CARGO}}</a:t>
+            </a:r>
+            <a:r>
+              <a:rPr lang="pt-BR" sz="1600" b="1" dirty="0">
                 <a:latin typeface="Times New Roman" panose="02020603050405020304" pitchFamily="18" charset="0"/>
                 <a:cs typeface="Times New Roman" panose="02020603050405020304" pitchFamily="18" charset="0"/>
               </a:rPr>
-              <a:t>,</a:t>
-            </a:r>
-            <a:r>
-              <a:rPr lang="pt-BR" sz="1400" b="1" dirty="0">
-                <a:latin typeface="Times New Roman" panose="02020603050405020304" pitchFamily="18" charset="0"/>
-                <a:cs typeface="Times New Roman" panose="02020603050405020304" pitchFamily="18" charset="0"/>
-              </a:rPr>
-              <a:t> portador do CPF {{CPF}}</a:t>
-            </a:r>
-            <a:r>
-              <a:rPr lang="pt-BR" altLang="ko-KR" sz="1400" b="1" dirty="0">
+              <a:t>, portador do CPF {{CPF}}</a:t>
+            </a:r>
+            <a:r>
+              <a:rPr lang="pt-BR" altLang="ko-KR" sz="1600" b="1" dirty="0">
                 <a:latin typeface="Times New Roman" panose="02020603050405020304" pitchFamily="18" charset="0"/>
                 <a:cs typeface="Times New Roman" panose="02020603050405020304" pitchFamily="18" charset="0"/>
               </a:rPr>
               <a:t> </a:t>
             </a:r>
             <a:r>
-              <a:rPr lang="pt-BR" sz="1400" b="1" dirty="0">
+              <a:rPr lang="pt-BR" sz="1600" b="1" dirty="0">
                 <a:latin typeface="Times New Roman" panose="02020603050405020304" pitchFamily="18" charset="0"/>
                 <a:cs typeface="Times New Roman" panose="02020603050405020304" pitchFamily="18" charset="0"/>
               </a:rPr>
               <a:t>, participou do treinamento de TREINAMENTO {{TIPO_TREINAMENTO}}   referente à NR 18.14 – Condições e Meio Ambiente de Trabalho na Indústria da Construção, </a:t>
             </a:r>
             <a:r>
-              <a:rPr lang="pt-BR" altLang="ko-KR" sz="1400" b="1" dirty="0">
+              <a:rPr lang="pt-BR" altLang="ko-KR" sz="1600" b="1" dirty="0">
                 <a:latin typeface="Times New Roman" panose="02020603050405020304" pitchFamily="18" charset="0"/>
                 <a:cs typeface="Times New Roman" panose="02020603050405020304" pitchFamily="18" charset="0"/>
               </a:rPr>
               <a:t>promovido nas dependências da empresa ALTA TELAS REDES DE PROTEÇÃO – </a:t>
             </a:r>
             <a:r>
-              <a:rPr lang="pt-BR" sz="1400" b="1" dirty="0">
+              <a:rPr lang="pt-BR" sz="1600" b="1" dirty="0">
                 <a:latin typeface="Times New Roman" panose="02020603050405020304" pitchFamily="18" charset="0"/>
                 <a:cs typeface="Times New Roman" panose="02020603050405020304" pitchFamily="18" charset="0"/>
               </a:rPr>
               <a:t>R. Gonçalves e Clarinda </a:t>
             </a:r>
             <a:r>
-              <a:rPr lang="pt-BR" sz="1400" b="1" dirty="0" err="1">
+              <a:rPr lang="pt-BR" sz="1600" b="1" dirty="0" err="1">
                 <a:latin typeface="Times New Roman" panose="02020603050405020304" pitchFamily="18" charset="0"/>
                 <a:cs typeface="Times New Roman" panose="02020603050405020304" pitchFamily="18" charset="0"/>
               </a:rPr>
               <a:t>Limiro</a:t>
             </a:r>
             <a:r>
-              <a:rPr lang="pt-BR" sz="1400" b="1" dirty="0">
+              <a:rPr lang="pt-BR" sz="1600" b="1" dirty="0">
                 <a:latin typeface="Times New Roman" panose="02020603050405020304" pitchFamily="18" charset="0"/>
                 <a:cs typeface="Times New Roman" panose="02020603050405020304" pitchFamily="18" charset="0"/>
               </a:rPr>
               <a:t>, 115 , Ribeirão Preto - SP, 14063-172 no dia </a:t>
             </a:r>
             <a:r>
-              <a:rPr lang="pt-BR" altLang="ko-KR" sz="1400" b="1" dirty="0">
+              <a:rPr lang="pt-BR" altLang="ko-KR" sz="1600" b="1" dirty="0">
                 <a:latin typeface="Times New Roman" panose="02020603050405020304" pitchFamily="18" charset="0"/>
                 <a:cs typeface="Times New Roman" panose="02020603050405020304" pitchFamily="18" charset="0"/>
               </a:rPr>
               <a:t>{{DATA}}</a:t>
             </a:r>
             <a:r>
-              <a:rPr lang="pt-BR" sz="1400" b="1" dirty="0">
+              <a:rPr lang="pt-BR" sz="1600" b="1" dirty="0">
                 <a:latin typeface="Times New Roman" panose="02020603050405020304" pitchFamily="18" charset="0"/>
                 <a:cs typeface="Times New Roman" panose="02020603050405020304" pitchFamily="18" charset="0"/>
               </a:rPr>
               <a:t>, conforme exigências da Norma Regulamentadora - NR 18, com carga horária de 06 horas</a:t>
             </a:r>
             <a:r>
-              <a:rPr lang="pt-BR" altLang="ko-KR" sz="1400" b="1" dirty="0">
+              <a:rPr lang="pt-BR" altLang="ko-KR" sz="1600" b="1" dirty="0">
                 <a:solidFill>
                   <a:schemeClr val="tx1">
                     <a:lumMod val="50000"/>
@@ -4800,67 +4781,6 @@
           </a:prstGeom>
         </p:spPr>
       </p:pic>
-      <p:pic>
-        <p:nvPicPr>
-          <p:cNvPr id="6" name="Imagem 5">
-            <a:extLst>
-              <a:ext uri="{FF2B5EF4-FFF2-40B4-BE49-F238E27FC236}">
-                <a16:creationId xmlns:a16="http://schemas.microsoft.com/office/drawing/2014/main" id="{D9E81F4F-3DC0-87F9-24FB-0DADC80B5094}"/>
-              </a:ext>
-            </a:extLst>
-          </p:cNvPr>
-          <p:cNvPicPr>
-            <a:picLocks noChangeAspect="1"/>
-          </p:cNvPicPr>
-          <p:nvPr/>
-        </p:nvPicPr>
-        <p:blipFill>
-          <a:blip r:embed="rId5">
-            <a:clrChange>
-              <a:clrFrom>
-                <a:srgbClr val="FFFFFF"/>
-              </a:clrFrom>
-              <a:clrTo>
-                <a:srgbClr val="FFFFFF">
-                  <a:alpha val="0"/>
-                </a:srgbClr>
-              </a:clrTo>
-            </a:clrChange>
-            <a:duotone>
-              <a:prstClr val="black"/>
-              <a:schemeClr val="accent1">
-                <a:tint val="45000"/>
-                <a:satMod val="400000"/>
-              </a:schemeClr>
-            </a:duotone>
-            <a:extLst>
-              <a:ext uri="{BEBA8EAE-BF5A-486C-A8C5-ECC9F3942E4B}">
-                <a14:imgProps xmlns:a14="http://schemas.microsoft.com/office/drawing/2010/main">
-                  <a14:imgLayer r:embed="rId6">
-                    <a14:imgEffect>
-                      <a14:sharpenSoften amount="50000"/>
-                    </a14:imgEffect>
-                    <a14:imgEffect>
-                      <a14:brightnessContrast bright="40000" contrast="-40000"/>
-                    </a14:imgEffect>
-                  </a14:imgLayer>
-                </a14:imgProps>
-              </a:ext>
-            </a:extLst>
-          </a:blip>
-          <a:srcRect l="7998" t="17014" r="33668" b="13724"/>
-          <a:stretch/>
-        </p:blipFill>
-        <p:spPr>
-          <a:xfrm rot="16200000">
-            <a:off x="7270562" y="5390846"/>
-            <a:ext cx="412391" cy="1609910"/>
-          </a:xfrm>
-          <a:prstGeom prst="rect">
-            <a:avLst/>
-          </a:prstGeom>
-        </p:spPr>
-      </p:pic>
       <p:sp>
         <p:nvSpPr>
           <p:cNvPr id="10" name="矩形 30">
@@ -4876,7 +4796,7 @@
         <p:spPr>
           <a:xfrm>
             <a:off x="6576533" y="2127868"/>
-            <a:ext cx="2187845" cy="523220"/>
+            <a:ext cx="2187845" cy="307777"/>
           </a:xfrm>
           <a:prstGeom prst="rect">
             <a:avLst/>
@@ -4922,24 +4842,14 @@
           <a:lstStyle/>
           <a:p>
             <a:pPr algn="ctr"/>
-            <a:endParaRPr lang="pt-BR" sz="1400" dirty="0">
+            <a:endParaRPr lang="pt-BR" altLang="zh-CN" sz="1400" b="1" dirty="0">
+              <a:solidFill>
+                <a:srgbClr val="2D273D"/>
+              </a:solidFill>
               <a:latin typeface="Times New Roman" panose="02020603050405020304" pitchFamily="18" charset="0"/>
               <a:cs typeface="Times New Roman" panose="02020603050405020304" pitchFamily="18" charset="0"/>
+              <a:sym typeface="+mn-lt"/>
             </a:endParaRPr>
-          </a:p>
-          <a:p>
-            <a:pPr algn="ctr"/>
-            <a:r>
-              <a:rPr lang="pt-BR" altLang="zh-CN" sz="1400" b="1" dirty="0">
-                <a:solidFill>
-                  <a:srgbClr val="2D273D"/>
-                </a:solidFill>
-                <a:latin typeface="Times New Roman" panose="02020603050405020304" pitchFamily="18" charset="0"/>
-                <a:cs typeface="Times New Roman" panose="02020603050405020304" pitchFamily="18" charset="0"/>
-                <a:sym typeface="+mn-lt"/>
-              </a:rPr>
-              <a:t>{{CARGO}}</a:t>
-            </a:r>
           </a:p>
         </p:txBody>
       </p:sp>

--- a/modelos_nr/NR18_modelo.pptx
+++ b/modelos_nr/NR18_modelo.pptx
@@ -244,7 +244,7 @@
           <a:p>
             <a:fld id="{A3B7E9CD-3D34-47C6-98EC-7A5BB634A5D7}" type="datetimeFigureOut">
               <a:rPr lang="pt-BR" smtClean="0"/>
-              <a:t>05/07/2025</a:t>
+              <a:t>05/08/2025</a:t>
             </a:fld>
             <a:endParaRPr lang="pt-BR"/>
           </a:p>
@@ -414,7 +414,7 @@
           <a:p>
             <a:fld id="{A3B7E9CD-3D34-47C6-98EC-7A5BB634A5D7}" type="datetimeFigureOut">
               <a:rPr lang="pt-BR" smtClean="0"/>
-              <a:t>05/07/2025</a:t>
+              <a:t>05/08/2025</a:t>
             </a:fld>
             <a:endParaRPr lang="pt-BR"/>
           </a:p>
@@ -594,7 +594,7 @@
           <a:p>
             <a:fld id="{A3B7E9CD-3D34-47C6-98EC-7A5BB634A5D7}" type="datetimeFigureOut">
               <a:rPr lang="pt-BR" smtClean="0"/>
-              <a:t>05/07/2025</a:t>
+              <a:t>05/08/2025</a:t>
             </a:fld>
             <a:endParaRPr lang="pt-BR"/>
           </a:p>
@@ -764,7 +764,7 @@
           <a:p>
             <a:fld id="{A3B7E9CD-3D34-47C6-98EC-7A5BB634A5D7}" type="datetimeFigureOut">
               <a:rPr lang="pt-BR" smtClean="0"/>
-              <a:t>05/07/2025</a:t>
+              <a:t>05/08/2025</a:t>
             </a:fld>
             <a:endParaRPr lang="pt-BR"/>
           </a:p>
@@ -1008,7 +1008,7 @@
           <a:p>
             <a:fld id="{A3B7E9CD-3D34-47C6-98EC-7A5BB634A5D7}" type="datetimeFigureOut">
               <a:rPr lang="pt-BR" smtClean="0"/>
-              <a:t>05/07/2025</a:t>
+              <a:t>05/08/2025</a:t>
             </a:fld>
             <a:endParaRPr lang="pt-BR"/>
           </a:p>
@@ -1240,7 +1240,7 @@
           <a:p>
             <a:fld id="{A3B7E9CD-3D34-47C6-98EC-7A5BB634A5D7}" type="datetimeFigureOut">
               <a:rPr lang="pt-BR" smtClean="0"/>
-              <a:t>05/07/2025</a:t>
+              <a:t>05/08/2025</a:t>
             </a:fld>
             <a:endParaRPr lang="pt-BR"/>
           </a:p>
@@ -1607,7 +1607,7 @@
           <a:p>
             <a:fld id="{A3B7E9CD-3D34-47C6-98EC-7A5BB634A5D7}" type="datetimeFigureOut">
               <a:rPr lang="pt-BR" smtClean="0"/>
-              <a:t>05/07/2025</a:t>
+              <a:t>05/08/2025</a:t>
             </a:fld>
             <a:endParaRPr lang="pt-BR"/>
           </a:p>
@@ -1725,7 +1725,7 @@
           <a:p>
             <a:fld id="{A3B7E9CD-3D34-47C6-98EC-7A5BB634A5D7}" type="datetimeFigureOut">
               <a:rPr lang="pt-BR" smtClean="0"/>
-              <a:t>05/07/2025</a:t>
+              <a:t>05/08/2025</a:t>
             </a:fld>
             <a:endParaRPr lang="pt-BR"/>
           </a:p>
@@ -1820,7 +1820,7 @@
           <a:p>
             <a:fld id="{A3B7E9CD-3D34-47C6-98EC-7A5BB634A5D7}" type="datetimeFigureOut">
               <a:rPr lang="pt-BR" smtClean="0"/>
-              <a:t>05/07/2025</a:t>
+              <a:t>05/08/2025</a:t>
             </a:fld>
             <a:endParaRPr lang="pt-BR"/>
           </a:p>
@@ -2097,7 +2097,7 @@
           <a:p>
             <a:fld id="{A3B7E9CD-3D34-47C6-98EC-7A5BB634A5D7}" type="datetimeFigureOut">
               <a:rPr lang="pt-BR" smtClean="0"/>
-              <a:t>05/07/2025</a:t>
+              <a:t>05/08/2025</a:t>
             </a:fld>
             <a:endParaRPr lang="pt-BR"/>
           </a:p>
@@ -2354,7 +2354,7 @@
           <a:p>
             <a:fld id="{A3B7E9CD-3D34-47C6-98EC-7A5BB634A5D7}" type="datetimeFigureOut">
               <a:rPr lang="pt-BR" smtClean="0"/>
-              <a:t>05/07/2025</a:t>
+              <a:t>05/08/2025</a:t>
             </a:fld>
             <a:endParaRPr lang="pt-BR"/>
           </a:p>
@@ -2567,7 +2567,7 @@
           <a:p>
             <a:fld id="{A3B7E9CD-3D34-47C6-98EC-7A5BB634A5D7}" type="datetimeFigureOut">
               <a:rPr lang="pt-BR" smtClean="0"/>
-              <a:t>05/07/2025</a:t>
+              <a:t>05/08/2025</a:t>
             </a:fld>
             <a:endParaRPr lang="pt-BR"/>
           </a:p>
@@ -3437,91 +3437,6 @@
       </p:grpSp>
       <p:sp>
         <p:nvSpPr>
-          <p:cNvPr id="36" name="矩形 30">
-            <a:extLst>
-              <a:ext uri="{FF2B5EF4-FFF2-40B4-BE49-F238E27FC236}">
-                <a16:creationId xmlns:a16="http://schemas.microsoft.com/office/drawing/2014/main" id="{9798F945-E63C-1AE0-9EAE-97F364ACCD61}"/>
-              </a:ext>
-            </a:extLst>
-          </p:cNvPr>
-          <p:cNvSpPr/>
-          <p:nvPr/>
-        </p:nvSpPr>
-        <p:spPr>
-          <a:xfrm>
-            <a:off x="2466682" y="6595339"/>
-            <a:ext cx="2187845" cy="523220"/>
-          </a:xfrm>
-          <a:prstGeom prst="rect">
-            <a:avLst/>
-          </a:prstGeom>
-          <a:noFill/>
-          <a:ln>
-            <a:noFill/>
-          </a:ln>
-          <a:effectLst/>
-          <a:extLst>
-            <a:ext uri="{909E8E84-426E-40DD-AFC4-6F175D3DCCD1}">
-              <a14:hiddenFill xmlns:a14="http://schemas.microsoft.com/office/drawing/2010/main">
-                <a:solidFill>
-                  <a:schemeClr val="accent1"/>
-                </a:solidFill>
-              </a14:hiddenFill>
-            </a:ext>
-            <a:ext uri="{91240B29-F687-4F45-9708-019B960494DF}">
-              <a14:hiddenLine xmlns:a14="http://schemas.microsoft.com/office/drawing/2010/main" w="9525">
-                <a:solidFill>
-                  <a:schemeClr val="tx1"/>
-                </a:solidFill>
-                <a:miter lim="800000"/>
-                <a:headEnd/>
-                <a:tailEnd/>
-              </a14:hiddenLine>
-            </a:ext>
-            <a:ext uri="{AF507438-7753-43E0-B8FC-AC1667EBCBE1}">
-              <a14:hiddenEffects xmlns:a14="http://schemas.microsoft.com/office/drawing/2010/main">
-                <a:effectLst>
-                  <a:outerShdw dist="35921" dir="2700000" algn="ctr" rotWithShape="0">
-                    <a:schemeClr val="bg2"/>
-                  </a:outerShdw>
-                </a:effectLst>
-              </a14:hiddenEffects>
-            </a:ext>
-          </a:extLst>
-        </p:spPr>
-        <p:txBody>
-          <a:bodyPr wrap="square">
-            <a:spAutoFit/>
-          </a:bodyPr>
-          <a:lstStyle/>
-          <a:p>
-            <a:pPr algn="ctr"/>
-            <a:r>
-              <a:rPr lang="pt-BR" sz="1400" b="1" dirty="0">
-                <a:latin typeface="Times New Roman" panose="02020603050405020304" pitchFamily="18" charset="0"/>
-                <a:cs typeface="Times New Roman" panose="02020603050405020304" pitchFamily="18" charset="0"/>
-              </a:rPr>
-              <a:t>{{NOME}}</a:t>
-            </a:r>
-          </a:p>
-          <a:p>
-            <a:pPr algn="ctr"/>
-            <a:r>
-              <a:rPr lang="pt-BR" altLang="zh-CN" sz="1400" b="1" dirty="0">
-                <a:solidFill>
-                  <a:srgbClr val="2D273D"/>
-                </a:solidFill>
-                <a:latin typeface="Times New Roman" panose="02020603050405020304" pitchFamily="18" charset="0"/>
-                <a:cs typeface="Times New Roman" panose="02020603050405020304" pitchFamily="18" charset="0"/>
-                <a:sym typeface="+mn-lt"/>
-              </a:rPr>
-              <a:t> </a:t>
-            </a:r>
-          </a:p>
-        </p:txBody>
-      </p:sp>
-      <p:sp>
-        <p:nvSpPr>
           <p:cNvPr id="37" name="副标题 4">
             <a:extLst>
               <a:ext uri="{FF2B5EF4-FFF2-40B4-BE49-F238E27FC236}">
@@ -3833,7 +3748,21 @@
                 <a:latin typeface="Times New Roman" panose="02020603050405020304" pitchFamily="18" charset="0"/>
                 <a:cs typeface="Times New Roman" panose="02020603050405020304" pitchFamily="18" charset="0"/>
               </a:rPr>
-              <a:t>, participou do treinamento de TREINAMENTO {{TIPO_TREINAMENTO}}   referente à NR 18.14 – Condições e Meio Ambiente de Trabalho na Indústria da Construção, </a:t>
+              <a:t>, participou do treinamento </a:t>
+            </a:r>
+            <a:r>
+              <a:rPr lang="pt-BR" sz="1600" b="1">
+                <a:latin typeface="Times New Roman" panose="02020603050405020304" pitchFamily="18" charset="0"/>
+                <a:cs typeface="Times New Roman" panose="02020603050405020304" pitchFamily="18" charset="0"/>
+              </a:rPr>
+              <a:t>de {{</a:t>
+            </a:r>
+            <a:r>
+              <a:rPr lang="pt-BR" sz="1600" b="1" dirty="0">
+                <a:latin typeface="Times New Roman" panose="02020603050405020304" pitchFamily="18" charset="0"/>
+                <a:cs typeface="Times New Roman" panose="02020603050405020304" pitchFamily="18" charset="0"/>
+              </a:rPr>
+              <a:t>TIPO_TREINAMENTO}}   referente à NR 18.14 – Condições e Meio Ambiente de Trabalho na Indústria da Construção, </a:t>
             </a:r>
             <a:r>
               <a:rPr lang="pt-BR" altLang="ko-KR" sz="1600" b="1" dirty="0">
@@ -4853,6 +4782,61 @@
           </a:p>
         </p:txBody>
       </p:sp>
+      <p:sp>
+        <p:nvSpPr>
+          <p:cNvPr id="8" name="CaixaDeTexto 7">
+            <a:extLst>
+              <a:ext uri="{FF2B5EF4-FFF2-40B4-BE49-F238E27FC236}">
+                <a16:creationId xmlns:a16="http://schemas.microsoft.com/office/drawing/2014/main" id="{3EB611E9-89EA-A0D3-129F-F5B3D44DA6CE}"/>
+              </a:ext>
+            </a:extLst>
+          </p:cNvPr>
+          <p:cNvSpPr txBox="1"/>
+          <p:nvPr/>
+        </p:nvSpPr>
+        <p:spPr>
+          <a:xfrm>
+            <a:off x="2124829" y="6534729"/>
+            <a:ext cx="5351928" cy="646331"/>
+          </a:xfrm>
+          <a:prstGeom prst="rect">
+            <a:avLst/>
+          </a:prstGeom>
+          <a:noFill/>
+        </p:spPr>
+        <p:txBody>
+          <a:bodyPr wrap="square">
+            <a:spAutoFit/>
+          </a:bodyPr>
+          <a:lstStyle/>
+          <a:p>
+            <a:r>
+              <a:rPr lang="pt-BR" sz="1800" b="1" dirty="0">
+                <a:latin typeface="Times New Roman" panose="02020603050405020304" pitchFamily="18" charset="0"/>
+                <a:cs typeface="Times New Roman" panose="02020603050405020304" pitchFamily="18" charset="0"/>
+              </a:rPr>
+              <a:t>{{NOME}}</a:t>
+            </a:r>
+          </a:p>
+          <a:p>
+            <a:r>
+              <a:rPr lang="pt-BR" altLang="zh-CN" sz="1800" b="1" dirty="0">
+                <a:solidFill>
+                  <a:srgbClr val="2D273D"/>
+                </a:solidFill>
+                <a:latin typeface="Times New Roman" panose="02020603050405020304" pitchFamily="18" charset="0"/>
+                <a:cs typeface="Times New Roman" panose="02020603050405020304" pitchFamily="18" charset="0"/>
+                <a:sym typeface="+mn-lt"/>
+              </a:rPr>
+              <a:t> </a:t>
+            </a:r>
+            <a:endParaRPr lang="pt-BR" sz="1800" b="1" dirty="0">
+              <a:latin typeface="Times New Roman" panose="02020603050405020304" pitchFamily="18" charset="0"/>
+              <a:cs typeface="Times New Roman" panose="02020603050405020304" pitchFamily="18" charset="0"/>
+            </a:endParaRPr>
+          </a:p>
+        </p:txBody>
+      </p:sp>
     </p:spTree>
     <p:extLst>
       <p:ext uri="{BB962C8B-B14F-4D97-AF65-F5344CB8AC3E}">
